--- a/Later/Spring/4_Dependency_Injection/35/Dependency Injection with static factory method.pptx
+++ b/Later/Spring/4_Dependency_Injection/35/Dependency Injection with static factory method.pptx
@@ -194,7 +194,7 @@
           <a:p>
             <a:fld id="{62274EC6-3890-417B-9308-14EFBD00FA63}" type="datetimeFigureOut">
               <a:rPr lang="en-US" smtClean="0"/>
-              <a:t>2/16/2018</a:t>
+              <a:t>2/20/2018</a:t>
             </a:fld>
             <a:endParaRPr lang="en-US" dirty="0"/>
           </a:p>
@@ -911,7 +911,7 @@
             <a:fld id="{1D8BD707-D9CF-40AE-B4C6-C98DA3205C09}" type="datetimeFigureOut">
               <a:rPr lang="en-US" smtClean="0"/>
               <a:pPr/>
-              <a:t>2/16/2018</a:t>
+              <a:t>2/20/2018</a:t>
             </a:fld>
             <a:endParaRPr lang="en-US" dirty="0"/>
           </a:p>
@@ -1083,7 +1083,7 @@
             <a:fld id="{1D8BD707-D9CF-40AE-B4C6-C98DA3205C09}" type="datetimeFigureOut">
               <a:rPr lang="en-US" smtClean="0"/>
               <a:pPr/>
-              <a:t>2/16/2018</a:t>
+              <a:t>2/20/2018</a:t>
             </a:fld>
             <a:endParaRPr lang="en-US" dirty="0"/>
           </a:p>
@@ -1265,7 +1265,7 @@
             <a:fld id="{1D8BD707-D9CF-40AE-B4C6-C98DA3205C09}" type="datetimeFigureOut">
               <a:rPr lang="en-US" smtClean="0"/>
               <a:pPr/>
-              <a:t>2/16/2018</a:t>
+              <a:t>2/20/2018</a:t>
             </a:fld>
             <a:endParaRPr lang="en-US" dirty="0"/>
           </a:p>
@@ -1437,7 +1437,7 @@
             <a:fld id="{1D8BD707-D9CF-40AE-B4C6-C98DA3205C09}" type="datetimeFigureOut">
               <a:rPr lang="en-US" smtClean="0"/>
               <a:pPr/>
-              <a:t>2/16/2018</a:t>
+              <a:t>2/20/2018</a:t>
             </a:fld>
             <a:endParaRPr lang="en-US" dirty="0"/>
           </a:p>
@@ -1685,7 +1685,7 @@
             <a:fld id="{1D8BD707-D9CF-40AE-B4C6-C98DA3205C09}" type="datetimeFigureOut">
               <a:rPr lang="en-US" smtClean="0"/>
               <a:pPr/>
-              <a:t>2/16/2018</a:t>
+              <a:t>2/20/2018</a:t>
             </a:fld>
             <a:endParaRPr lang="en-US" dirty="0"/>
           </a:p>
@@ -1975,7 +1975,7 @@
             <a:fld id="{1D8BD707-D9CF-40AE-B4C6-C98DA3205C09}" type="datetimeFigureOut">
               <a:rPr lang="en-US" smtClean="0"/>
               <a:pPr/>
-              <a:t>2/16/2018</a:t>
+              <a:t>2/20/2018</a:t>
             </a:fld>
             <a:endParaRPr lang="en-US" dirty="0"/>
           </a:p>
@@ -2404,7 +2404,7 @@
             <a:fld id="{1D8BD707-D9CF-40AE-B4C6-C98DA3205C09}" type="datetimeFigureOut">
               <a:rPr lang="en-US" smtClean="0"/>
               <a:pPr/>
-              <a:t>2/16/2018</a:t>
+              <a:t>2/20/2018</a:t>
             </a:fld>
             <a:endParaRPr lang="en-US" dirty="0"/>
           </a:p>
@@ -2524,7 +2524,7 @@
             <a:fld id="{1D8BD707-D9CF-40AE-B4C6-C98DA3205C09}" type="datetimeFigureOut">
               <a:rPr lang="en-US" smtClean="0"/>
               <a:pPr/>
-              <a:t>2/16/2018</a:t>
+              <a:t>2/20/2018</a:t>
             </a:fld>
             <a:endParaRPr lang="en-US" dirty="0"/>
           </a:p>
@@ -2621,7 +2621,7 @@
             <a:fld id="{1D8BD707-D9CF-40AE-B4C6-C98DA3205C09}" type="datetimeFigureOut">
               <a:rPr lang="en-US" smtClean="0"/>
               <a:pPr/>
-              <a:t>2/16/2018</a:t>
+              <a:t>2/20/2018</a:t>
             </a:fld>
             <a:endParaRPr lang="en-US" dirty="0"/>
           </a:p>
@@ -2900,7 +2900,7 @@
             <a:fld id="{1D8BD707-D9CF-40AE-B4C6-C98DA3205C09}" type="datetimeFigureOut">
               <a:rPr lang="en-US" smtClean="0"/>
               <a:pPr/>
-              <a:t>2/16/2018</a:t>
+              <a:t>2/20/2018</a:t>
             </a:fld>
             <a:endParaRPr lang="en-US" dirty="0"/>
           </a:p>
@@ -3155,7 +3155,7 @@
             <a:fld id="{1D8BD707-D9CF-40AE-B4C6-C98DA3205C09}" type="datetimeFigureOut">
               <a:rPr lang="en-US" smtClean="0"/>
               <a:pPr/>
-              <a:t>2/16/2018</a:t>
+              <a:t>2/20/2018</a:t>
             </a:fld>
             <a:endParaRPr lang="en-US" dirty="0"/>
           </a:p>
@@ -3370,7 +3370,7 @@
             <a:fld id="{1D8BD707-D9CF-40AE-B4C6-C98DA3205C09}" type="datetimeFigureOut">
               <a:rPr lang="en-US" smtClean="0"/>
               <a:pPr/>
-              <a:t>2/16/2018</a:t>
+              <a:t>2/20/2018</a:t>
             </a:fld>
             <a:endParaRPr lang="en-US" dirty="0"/>
           </a:p>
@@ -4080,7 +4080,6 @@
               <a:rPr lang="en-US" sz="1200" dirty="0"/>
               <a:t>Dependency Injection with static factory method</a:t>
             </a:r>
-            <a:endParaRPr lang="en-US" sz="1200" dirty="0"/>
           </a:p>
         </p:txBody>
       </p:sp>
@@ -4194,7 +4193,6 @@
               <a:rPr lang="en-US" sz="1200" dirty="0"/>
               <a:t> class. It is used in singleton design pattern.</a:t>
             </a:r>
-            <a:endParaRPr lang="en-US" sz="1200" dirty="0"/>
           </a:p>
         </p:txBody>
       </p:sp>
@@ -4729,42 +4727,6 @@
           <a:p>
             <a:pPr algn="ctr"/>
             <a:endParaRPr lang="en-US"/>
-          </a:p>
-        </p:txBody>
-      </p:sp>
-      <p:sp>
-        <p:nvSpPr>
-          <p:cNvPr id="19" name="Rectangle 18"/>
-          <p:cNvSpPr/>
-          <p:nvPr/>
-        </p:nvSpPr>
-        <p:spPr>
-          <a:xfrm>
-            <a:off x="3874955" y="2933700"/>
-            <a:ext cx="651140" cy="369332"/>
-          </a:xfrm>
-          <a:prstGeom prst="rect">
-            <a:avLst/>
-          </a:prstGeom>
-        </p:spPr>
-        <p:txBody>
-          <a:bodyPr wrap="none">
-            <a:spAutoFit/>
-          </a:bodyPr>
-          <a:lstStyle/>
-          <a:p>
-            <a:pPr algn="ctr"/>
-            <a:r>
-              <a:rPr lang="en-US" sz="900" dirty="0" smtClean="0"/>
-              <a:t>Employee</a:t>
-            </a:r>
-          </a:p>
-          <a:p>
-            <a:r>
-              <a:rPr lang="en-US" sz="900" dirty="0" smtClean="0"/>
-              <a:t>   Object</a:t>
-            </a:r>
-            <a:endParaRPr lang="en-US" sz="900" dirty="0"/>
           </a:p>
         </p:txBody>
       </p:sp>
@@ -5162,7 +5124,47 @@
               <a:rPr lang="en-US" sz="1200" dirty="0"/>
               <a:t>Dependency Injection with static factory method</a:t>
             </a:r>
-            <a:endParaRPr lang="en-US" sz="1200" dirty="0"/>
+          </a:p>
+        </p:txBody>
+      </p:sp>
+      <p:sp>
+        <p:nvSpPr>
+          <p:cNvPr id="26" name="Rectangle 25"/>
+          <p:cNvSpPr/>
+          <p:nvPr/>
+        </p:nvSpPr>
+        <p:spPr>
+          <a:xfrm>
+            <a:off x="3859714" y="2870328"/>
+            <a:ext cx="761747" cy="507831"/>
+          </a:xfrm>
+          <a:prstGeom prst="rect">
+            <a:avLst/>
+          </a:prstGeom>
+        </p:spPr>
+        <p:txBody>
+          <a:bodyPr wrap="none">
+            <a:spAutoFit/>
+          </a:bodyPr>
+          <a:lstStyle/>
+          <a:p>
+            <a:r>
+              <a:rPr lang="en-US" sz="900" dirty="0" smtClean="0"/>
+              <a:t>Animal(</a:t>
+            </a:r>
+          </a:p>
+          <a:p>
+            <a:r>
+              <a:rPr lang="en-US" sz="900" dirty="0" smtClean="0"/>
+              <a:t>Dog or Cow)</a:t>
+            </a:r>
+          </a:p>
+          <a:p>
+            <a:r>
+              <a:rPr lang="en-US" sz="900" dirty="0" smtClean="0"/>
+              <a:t>Object</a:t>
+            </a:r>
+            <a:endParaRPr lang="en-US" sz="900" dirty="0"/>
           </a:p>
         </p:txBody>
       </p:sp>
@@ -5595,7 +5597,6 @@
               <a:rPr lang="en-US" sz="1200" dirty="0"/>
               <a:t>Dependency Injection with static factory method</a:t>
             </a:r>
-            <a:endParaRPr lang="en-US" sz="1200" dirty="0"/>
           </a:p>
         </p:txBody>
       </p:sp>
